--- a/odin_full_presentation.pptx
+++ b/odin_full_presentation.pptx
@@ -5,7 +5,7 @@
     <p:sldMasterId id="2147483648" r:id="rId1"/>
   </p:sldMasterIdLst>
   <p:notesMasterIdLst>
-    <p:notesMasterId r:id="rId20"/>
+    <p:notesMasterId r:id="rId19"/>
   </p:notesMasterIdLst>
   <p:sldIdLst>
     <p:sldId id="256" r:id="rId2"/>
@@ -20,12 +20,11 @@
     <p:sldId id="265" r:id="rId11"/>
     <p:sldId id="266" r:id="rId12"/>
     <p:sldId id="267" r:id="rId13"/>
-    <p:sldId id="268" r:id="rId14"/>
-    <p:sldId id="269" r:id="rId15"/>
-    <p:sldId id="270" r:id="rId16"/>
+    <p:sldId id="270" r:id="rId14"/>
+    <p:sldId id="268" r:id="rId15"/>
+    <p:sldId id="269" r:id="rId16"/>
     <p:sldId id="271" r:id="rId17"/>
-    <p:sldId id="272" r:id="rId18"/>
-    <p:sldId id="273" r:id="rId19"/>
+    <p:sldId id="273" r:id="rId18"/>
   </p:sldIdLst>
   <p:sldSz cx="9144000" cy="5143500" type="screen16x9"/>
   <p:notesSz cx="5143500" cy="9144000"/>
@@ -992,90 +991,6 @@
             <a:fld id="{F7021451-1387-4CA6-816F-3879F97B5CBC}" type="slidenum">
               <a:rPr lang="en-US"/>
               <a:t>17</a:t>
-            </a:fld>
-            <a:endParaRPr lang="en-US"/>
-          </a:p>
-        </p:txBody>
-      </p:sp>
-    </p:spTree>
-    <p:extLst>
-      <p:ext uri="{BB962C8B-B14F-4D97-AF65-F5344CB8AC3E}">
-        <p14:creationId xmlns:p14="http://schemas.microsoft.com/office/powerpoint/2010/main" val="1024086991"/>
-      </p:ext>
-    </p:extLst>
-  </p:cSld>
-  <p:clrMapOvr>
-    <a:masterClrMapping/>
-  </p:clrMapOvr>
-</p:notes>
-</file>
-
-<file path=ppt/notesSlides/notesSlide18.xml><?xml version="1.0" encoding="utf-8"?>
-<p:notes xmlns:a="http://schemas.openxmlformats.org/drawingml/2006/main" xmlns:r="http://schemas.openxmlformats.org/officeDocument/2006/relationships" xmlns:p="http://schemas.openxmlformats.org/presentationml/2006/main">
-  <p:cSld>
-    <p:spTree>
-      <p:nvGrpSpPr>
-        <p:cNvPr id="1" name=""/>
-        <p:cNvGrpSpPr/>
-        <p:nvPr/>
-      </p:nvGrpSpPr>
-      <p:grpSpPr>
-        <a:xfrm>
-          <a:off x="0" y="0"/>
-          <a:ext cx="0" cy="0"/>
-          <a:chOff x="0" y="0"/>
-          <a:chExt cx="0" cy="0"/>
-        </a:xfrm>
-      </p:grpSpPr>
-      <p:sp>
-        <p:nvSpPr>
-          <p:cNvPr id="2" name="Slide Image Placeholder 1"/>
-          <p:cNvSpPr>
-            <a:spLocks noGrp="1" noRot="1" noChangeAspect="1"/>
-          </p:cNvSpPr>
-          <p:nvPr>
-            <p:ph type="sldImg"/>
-          </p:nvPr>
-        </p:nvSpPr>
-        <p:spPr/>
-      </p:sp>
-      <p:sp>
-        <p:nvSpPr>
-          <p:cNvPr id="3" name="Notes Placeholder 2"/>
-          <p:cNvSpPr>
-            <a:spLocks noGrp="1"/>
-          </p:cNvSpPr>
-          <p:nvPr>
-            <p:ph type="body" idx="1"/>
-          </p:nvPr>
-        </p:nvSpPr>
-        <p:spPr/>
-        <p:txBody>
-          <a:bodyPr/>
-          <a:lstStyle/>
-          <a:p>
-            <a:endParaRPr lang="en-US" dirty="0"/>
-          </a:p>
-        </p:txBody>
-      </p:sp>
-      <p:sp>
-        <p:nvSpPr>
-          <p:cNvPr id="4" name="Slide Number Placeholder 3"/>
-          <p:cNvSpPr>
-            <a:spLocks noGrp="1"/>
-          </p:cNvSpPr>
-          <p:nvPr>
-            <p:ph type="sldNum" sz="quarter" idx="10"/>
-          </p:nvPr>
-        </p:nvSpPr>
-        <p:spPr/>
-        <p:txBody>
-          <a:bodyPr/>
-          <a:lstStyle/>
-          <a:p>
-            <a:fld id="{F7021451-1387-4CA6-816F-3879F97B5CBC}" type="slidenum">
-              <a:rPr lang="en-US"/>
-              <a:t>18</a:t>
             </a:fld>
             <a:endParaRPr lang="en-US"/>
           </a:p>
@@ -2505,7 +2420,6 @@
               </a:rPr>
               <a:t>Sequential dimension loading, one at a time</a:t>
             </a:r>
-            <a:endParaRPr lang="en-US" sz="1200" dirty="0"/>
           </a:p>
           <a:p>
             <a:pPr marL="342900" indent="-342900">
@@ -2518,10 +2432,9 @@
                   <a:srgbClr val="1A202C"/>
                 </a:solidFill>
                 <a:latin typeface="Calibri" pitchFamily="34" charset="0"/>
-                <a:ea typeface="Calibri" pitchFamily="34" charset="-122"/>
-                <a:cs typeface="Calibri" pitchFamily="34" charset="-120"/>
-              </a:rPr>
-              <a:t>PostgreSQL RDS db.t3.micro with vertical scaling only</a:t>
+                <a:cs typeface="Calibri" pitchFamily="34" charset="-120"/>
+              </a:rPr>
+              <a:t>Pandas</a:t>
             </a:r>
             <a:endParaRPr lang="en-US" sz="1200" dirty="0"/>
           </a:p>
@@ -2659,7 +2572,7 @@
                 <a:ea typeface="Calibri" pitchFamily="34" charset="-122"/>
                 <a:cs typeface="Calibri" pitchFamily="34" charset="-120"/>
               </a:rPr>
-              <a:t>Distributed processing with frameworks like Spark, Dask, or Ray</a:t>
+              <a:t>Distributed processing with frameworks like Spark</a:t>
             </a:r>
             <a:endParaRPr lang="en-US" sz="1200" dirty="0"/>
           </a:p>
@@ -3087,9 +3000,8 @@
                 <a:ea typeface="Calibri" pitchFamily="34" charset="-122"/>
                 <a:cs typeface="Calibri" pitchFamily="34" charset="-120"/>
               </a:rPr>
-              <a:t>SCD Type 2 requires custom logic (valid_from, valid_to)</a:t>
-            </a:r>
-            <a:endParaRPr lang="en-US" sz="1200" dirty="0"/>
+              <a:t>If column renaming/deleted -&gt; SCD Type 1 (UPSERT)</a:t>
+            </a:r>
           </a:p>
           <a:p>
             <a:pPr marL="342900" indent="-342900">
@@ -3102,10 +3014,9 @@
                   <a:srgbClr val="1A202C"/>
                 </a:solidFill>
                 <a:latin typeface="Calibri" pitchFamily="34" charset="0"/>
-                <a:ea typeface="Calibri" pitchFamily="34" charset="-122"/>
-                <a:cs typeface="Calibri" pitchFamily="34" charset="-120"/>
-              </a:rPr>
-              <a:t>Potential downtime during schema changes</a:t>
+                <a:cs typeface="Calibri" pitchFamily="34" charset="-120"/>
+              </a:rPr>
+              <a:t>If new column added -&gt; ignored due to strict set to False in Pandera</a:t>
             </a:r>
             <a:endParaRPr lang="en-US" sz="1200" dirty="0"/>
           </a:p>
@@ -3280,6 +3191,20 @@
                 <a:cs typeface="Calibri" pitchFamily="34" charset="-120"/>
               </a:rPr>
               <a:t>Time travel to access previous data versions</a:t>
+            </a:r>
+          </a:p>
+          <a:p>
+            <a:pPr marL="342900" indent="-342900">
+              <a:buSzPct val="100000"/>
+              <a:buChar char="•"/>
+            </a:pPr>
+            <a:r>
+              <a:rPr lang="en-US" sz="1200" dirty="0"/>
+              <a:t>Set strict in </a:t>
+            </a:r>
+            <a:r>
+              <a:rPr lang="en-US" sz="1200" dirty="0" err="1"/>
+              <a:t>Panderas</a:t>
             </a:r>
             <a:endParaRPr lang="en-US" sz="1200" dirty="0"/>
           </a:p>
@@ -4048,6 +3973,598 @@
 
 <file path=ppt/slides/slide13.xml><?xml version="1.0" encoding="utf-8"?>
 <p:sld xmlns:a="http://schemas.openxmlformats.org/drawingml/2006/main" xmlns:r="http://schemas.openxmlformats.org/officeDocument/2006/relationships" xmlns:p="http://schemas.openxmlformats.org/presentationml/2006/main">
+  <p:cSld name="Slide 15">
+    <p:bg>
+      <p:bgPr>
+        <a:solidFill>
+          <a:srgbClr val="FFFFFF"/>
+        </a:solidFill>
+        <a:effectLst/>
+      </p:bgPr>
+    </p:bg>
+    <p:spTree>
+      <p:nvGrpSpPr>
+        <p:cNvPr id="1" name=""/>
+        <p:cNvGrpSpPr/>
+        <p:nvPr/>
+      </p:nvGrpSpPr>
+      <p:grpSpPr>
+        <a:xfrm>
+          <a:off x="0" y="0"/>
+          <a:ext cx="0" cy="0"/>
+          <a:chOff x="0" y="0"/>
+          <a:chExt cx="0" cy="0"/>
+        </a:xfrm>
+      </p:grpSpPr>
+      <p:sp>
+        <p:nvSpPr>
+          <p:cNvPr id="2" name="Text 0"/>
+          <p:cNvSpPr/>
+          <p:nvPr/>
+        </p:nvSpPr>
+        <p:spPr>
+          <a:xfrm>
+            <a:off x="457200" y="274320"/>
+            <a:ext cx="8229600" cy="502920"/>
+          </a:xfrm>
+          <a:prstGeom prst="rect">
+            <a:avLst/>
+          </a:prstGeom>
+          <a:noFill/>
+          <a:ln/>
+        </p:spPr>
+        <p:txBody>
+          <a:bodyPr wrap="square" lIns="0" tIns="0" rIns="0" bIns="0" rtlCol="0" anchor="ctr"/>
+          <a:lstStyle/>
+          <a:p>
+            <a:pPr marL="0" indent="0">
+              <a:buNone/>
+            </a:pPr>
+            <a:r>
+              <a:rPr lang="en-US" sz="3000" b="1" dirty="0">
+                <a:solidFill>
+                  <a:srgbClr val="1A365D"/>
+                </a:solidFill>
+                <a:latin typeface="Trebuchet MS" pitchFamily="34" charset="0"/>
+                <a:ea typeface="Trebuchet MS" pitchFamily="34" charset="-122"/>
+                <a:cs typeface="Trebuchet MS" pitchFamily="34" charset="-120"/>
+              </a:rPr>
+              <a:t>Observability</a:t>
+            </a:r>
+            <a:endParaRPr lang="en-US" sz="3000" dirty="0"/>
+          </a:p>
+        </p:txBody>
+      </p:sp>
+      <p:sp>
+        <p:nvSpPr>
+          <p:cNvPr id="3" name="Shape 1"/>
+          <p:cNvSpPr/>
+          <p:nvPr/>
+        </p:nvSpPr>
+        <p:spPr>
+          <a:xfrm>
+            <a:off x="457200" y="868680"/>
+            <a:ext cx="8229600" cy="1234440"/>
+          </a:xfrm>
+          <a:prstGeom prst="rect">
+            <a:avLst/>
+          </a:prstGeom>
+          <a:solidFill>
+            <a:srgbClr val="E2E8F0"/>
+          </a:solidFill>
+          <a:ln/>
+        </p:spPr>
+        <p:txBody>
+          <a:bodyPr/>
+          <a:lstStyle/>
+          <a:p>
+            <a:endParaRPr lang="it-IT" dirty="0"/>
+          </a:p>
+        </p:txBody>
+      </p:sp>
+      <p:sp>
+        <p:nvSpPr>
+          <p:cNvPr id="4" name="Shape 2"/>
+          <p:cNvSpPr/>
+          <p:nvPr/>
+        </p:nvSpPr>
+        <p:spPr>
+          <a:xfrm>
+            <a:off x="457200" y="868680"/>
+            <a:ext cx="73152" cy="1234440"/>
+          </a:xfrm>
+          <a:prstGeom prst="rect">
+            <a:avLst/>
+          </a:prstGeom>
+          <a:solidFill>
+            <a:srgbClr val="2B6CB0"/>
+          </a:solidFill>
+          <a:ln/>
+        </p:spPr>
+        <p:txBody>
+          <a:bodyPr/>
+          <a:lstStyle/>
+          <a:p>
+            <a:endParaRPr lang="it-IT"/>
+          </a:p>
+        </p:txBody>
+      </p:sp>
+      <p:sp>
+        <p:nvSpPr>
+          <p:cNvPr id="5" name="Text 3"/>
+          <p:cNvSpPr/>
+          <p:nvPr/>
+        </p:nvSpPr>
+        <p:spPr>
+          <a:xfrm>
+            <a:off x="640080" y="914400"/>
+            <a:ext cx="7772400" cy="320040"/>
+          </a:xfrm>
+          <a:prstGeom prst="rect">
+            <a:avLst/>
+          </a:prstGeom>
+          <a:noFill/>
+          <a:ln/>
+        </p:spPr>
+        <p:txBody>
+          <a:bodyPr wrap="square" lIns="0" tIns="0" rIns="0" bIns="0" rtlCol="0" anchor="ctr"/>
+          <a:lstStyle/>
+          <a:p>
+            <a:pPr marL="0" indent="0">
+              <a:buNone/>
+            </a:pPr>
+            <a:r>
+              <a:rPr lang="en-US" sz="1400" b="1" dirty="0">
+                <a:solidFill>
+                  <a:srgbClr val="2B6CB0"/>
+                </a:solidFill>
+                <a:latin typeface="Calibri" pitchFamily="34" charset="0"/>
+                <a:ea typeface="Calibri" pitchFamily="34" charset="-122"/>
+                <a:cs typeface="Calibri" pitchFamily="34" charset="-120"/>
+              </a:rPr>
+              <a:t>Current Implementation</a:t>
+            </a:r>
+            <a:endParaRPr lang="en-US" sz="1400" dirty="0"/>
+          </a:p>
+        </p:txBody>
+      </p:sp>
+      <p:sp>
+        <p:nvSpPr>
+          <p:cNvPr id="6" name="Text 4"/>
+          <p:cNvSpPr/>
+          <p:nvPr/>
+        </p:nvSpPr>
+        <p:spPr>
+          <a:xfrm>
+            <a:off x="640080" y="1280160"/>
+            <a:ext cx="7772400" cy="777240"/>
+          </a:xfrm>
+          <a:prstGeom prst="rect">
+            <a:avLst/>
+          </a:prstGeom>
+          <a:noFill/>
+          <a:ln/>
+        </p:spPr>
+        <p:txBody>
+          <a:bodyPr wrap="square" rtlCol="0" anchor="t"/>
+          <a:lstStyle/>
+          <a:p>
+            <a:pPr marL="342900" indent="-342900">
+              <a:buSzPct val="100000"/>
+              <a:buChar char="•"/>
+            </a:pPr>
+            <a:r>
+              <a:rPr lang="en-US" sz="1200" dirty="0">
+                <a:solidFill>
+                  <a:srgbClr val="1A202C"/>
+                </a:solidFill>
+                <a:latin typeface="Calibri" pitchFamily="34" charset="0"/>
+                <a:ea typeface="Calibri" pitchFamily="34" charset="-122"/>
+                <a:cs typeface="Calibri" pitchFamily="34" charset="-120"/>
+              </a:rPr>
+              <a:t>Every </a:t>
+            </a:r>
+            <a:r>
+              <a:rPr lang="en-US" sz="1200" dirty="0" err="1">
+                <a:solidFill>
+                  <a:srgbClr val="1A202C"/>
+                </a:solidFill>
+                <a:latin typeface="Calibri" pitchFamily="34" charset="0"/>
+                <a:ea typeface="Calibri" pitchFamily="34" charset="-122"/>
+                <a:cs typeface="Calibri" pitchFamily="34" charset="-120"/>
+              </a:rPr>
+              <a:t>fase</a:t>
+            </a:r>
+            <a:r>
+              <a:rPr lang="en-US" sz="1200" dirty="0">
+                <a:solidFill>
+                  <a:srgbClr val="1A202C"/>
+                </a:solidFill>
+                <a:latin typeface="Calibri" pitchFamily="34" charset="0"/>
+                <a:ea typeface="Calibri" pitchFamily="34" charset="-122"/>
+                <a:cs typeface="Calibri" pitchFamily="34" charset="-120"/>
+              </a:rPr>
+              <a:t> is logged with the number of rows processed</a:t>
+            </a:r>
+          </a:p>
+          <a:p>
+            <a:pPr marL="342900" indent="-342900">
+              <a:buSzPct val="100000"/>
+              <a:buChar char="•"/>
+            </a:pPr>
+            <a:r>
+              <a:rPr lang="en-US" sz="1200" dirty="0">
+                <a:solidFill>
+                  <a:srgbClr val="1A202C"/>
+                </a:solidFill>
+                <a:latin typeface="Calibri" pitchFamily="34" charset="0"/>
+                <a:cs typeface="Calibri" pitchFamily="34" charset="-120"/>
+              </a:rPr>
+              <a:t>If the job failed, container return a non-zero status code</a:t>
+            </a:r>
+          </a:p>
+          <a:p>
+            <a:pPr marL="342900" indent="-342900">
+              <a:buSzPct val="100000"/>
+              <a:buChar char="•"/>
+            </a:pPr>
+            <a:endParaRPr lang="en-US" sz="1200" dirty="0"/>
+          </a:p>
+        </p:txBody>
+      </p:sp>
+      <p:sp>
+        <p:nvSpPr>
+          <p:cNvPr id="7" name="Shape 5"/>
+          <p:cNvSpPr/>
+          <p:nvPr/>
+        </p:nvSpPr>
+        <p:spPr>
+          <a:xfrm>
+            <a:off x="457200" y="2194560"/>
+            <a:ext cx="8229600" cy="1234440"/>
+          </a:xfrm>
+          <a:prstGeom prst="rect">
+            <a:avLst/>
+          </a:prstGeom>
+          <a:solidFill>
+            <a:srgbClr val="FFFFFF"/>
+          </a:solidFill>
+          <a:ln w="12700">
+            <a:solidFill>
+              <a:srgbClr val="38B2AC"/>
+            </a:solidFill>
+            <a:prstDash val="solid"/>
+          </a:ln>
+        </p:spPr>
+        <p:txBody>
+          <a:bodyPr/>
+          <a:lstStyle/>
+          <a:p>
+            <a:endParaRPr lang="it-IT"/>
+          </a:p>
+        </p:txBody>
+      </p:sp>
+      <p:sp>
+        <p:nvSpPr>
+          <p:cNvPr id="8" name="Shape 6"/>
+          <p:cNvSpPr/>
+          <p:nvPr/>
+        </p:nvSpPr>
+        <p:spPr>
+          <a:xfrm>
+            <a:off x="457200" y="2194560"/>
+            <a:ext cx="73152" cy="1234440"/>
+          </a:xfrm>
+          <a:prstGeom prst="rect">
+            <a:avLst/>
+          </a:prstGeom>
+          <a:solidFill>
+            <a:srgbClr val="38B2AC"/>
+          </a:solidFill>
+          <a:ln/>
+        </p:spPr>
+        <p:txBody>
+          <a:bodyPr/>
+          <a:lstStyle/>
+          <a:p>
+            <a:endParaRPr lang="it-IT"/>
+          </a:p>
+        </p:txBody>
+      </p:sp>
+      <p:sp>
+        <p:nvSpPr>
+          <p:cNvPr id="9" name="Text 7"/>
+          <p:cNvSpPr/>
+          <p:nvPr/>
+        </p:nvSpPr>
+        <p:spPr>
+          <a:xfrm>
+            <a:off x="640080" y="2240280"/>
+            <a:ext cx="7772400" cy="320040"/>
+          </a:xfrm>
+          <a:prstGeom prst="rect">
+            <a:avLst/>
+          </a:prstGeom>
+          <a:noFill/>
+          <a:ln/>
+        </p:spPr>
+        <p:txBody>
+          <a:bodyPr wrap="square" lIns="0" tIns="0" rIns="0" bIns="0" rtlCol="0" anchor="ctr"/>
+          <a:lstStyle/>
+          <a:p>
+            <a:pPr marL="0" indent="0">
+              <a:buNone/>
+            </a:pPr>
+            <a:r>
+              <a:rPr lang="en-US" sz="1400" b="1" dirty="0">
+                <a:solidFill>
+                  <a:srgbClr val="38B2AC"/>
+                </a:solidFill>
+                <a:latin typeface="Calibri" pitchFamily="34" charset="0"/>
+                <a:ea typeface="Calibri" pitchFamily="34" charset="-122"/>
+                <a:cs typeface="Calibri" pitchFamily="34" charset="-120"/>
+              </a:rPr>
+              <a:t>To Improve → General Approach</a:t>
+            </a:r>
+            <a:endParaRPr lang="en-US" sz="1400" dirty="0"/>
+          </a:p>
+        </p:txBody>
+      </p:sp>
+      <p:sp>
+        <p:nvSpPr>
+          <p:cNvPr id="10" name="Text 8"/>
+          <p:cNvSpPr/>
+          <p:nvPr/>
+        </p:nvSpPr>
+        <p:spPr>
+          <a:xfrm>
+            <a:off x="640080" y="2606040"/>
+            <a:ext cx="7772400" cy="777240"/>
+          </a:xfrm>
+          <a:prstGeom prst="rect">
+            <a:avLst/>
+          </a:prstGeom>
+          <a:noFill/>
+          <a:ln/>
+        </p:spPr>
+        <p:txBody>
+          <a:bodyPr wrap="square" rtlCol="0" anchor="t"/>
+          <a:lstStyle/>
+          <a:p>
+            <a:pPr marL="342900" indent="-342900">
+              <a:buSzPct val="100000"/>
+              <a:buChar char="•"/>
+            </a:pPr>
+            <a:r>
+              <a:rPr lang="en-US" sz="1200" dirty="0">
+                <a:solidFill>
+                  <a:srgbClr val="1A202C"/>
+                </a:solidFill>
+                <a:latin typeface="Calibri" pitchFamily="34" charset="0"/>
+                <a:ea typeface="Calibri" pitchFamily="34" charset="-122"/>
+                <a:cs typeface="Calibri" pitchFamily="34" charset="-120"/>
+              </a:rPr>
+              <a:t>Distributed tracing (OpenTelemetry, Jaeger)</a:t>
+            </a:r>
+            <a:endParaRPr lang="en-US" sz="1200" dirty="0"/>
+          </a:p>
+          <a:p>
+            <a:pPr marL="342900" indent="-342900">
+              <a:buSzPct val="100000"/>
+              <a:buChar char="•"/>
+            </a:pPr>
+            <a:r>
+              <a:rPr lang="en-US" sz="1200" dirty="0">
+                <a:solidFill>
+                  <a:srgbClr val="1A202C"/>
+                </a:solidFill>
+                <a:latin typeface="Calibri" pitchFamily="34" charset="0"/>
+                <a:ea typeface="Calibri" pitchFamily="34" charset="-122"/>
+                <a:cs typeface="Calibri" pitchFamily="34" charset="-120"/>
+              </a:rPr>
+              <a:t>Real-time metrics with Prometheus/Grafana</a:t>
+            </a:r>
+            <a:endParaRPr lang="en-US" sz="1200" dirty="0"/>
+          </a:p>
+          <a:p>
+            <a:pPr marL="342900" indent="-342900">
+              <a:buSzPct val="100000"/>
+              <a:buChar char="•"/>
+            </a:pPr>
+            <a:r>
+              <a:rPr lang="en-US" sz="1200" dirty="0">
+                <a:solidFill>
+                  <a:srgbClr val="1A202C"/>
+                </a:solidFill>
+                <a:latin typeface="Calibri" pitchFamily="34" charset="0"/>
+                <a:ea typeface="Calibri" pitchFamily="34" charset="-122"/>
+                <a:cs typeface="Calibri" pitchFamily="34" charset="-120"/>
+              </a:rPr>
+              <a:t>Data lineage to understand change impact</a:t>
+            </a:r>
+            <a:endParaRPr lang="en-US" sz="1200" dirty="0"/>
+          </a:p>
+        </p:txBody>
+      </p:sp>
+      <p:sp>
+        <p:nvSpPr>
+          <p:cNvPr id="11" name="Shape 9"/>
+          <p:cNvSpPr/>
+          <p:nvPr/>
+        </p:nvSpPr>
+        <p:spPr>
+          <a:xfrm>
+            <a:off x="457200" y="3520440"/>
+            <a:ext cx="8229600" cy="1371600"/>
+          </a:xfrm>
+          <a:prstGeom prst="rect">
+            <a:avLst/>
+          </a:prstGeom>
+          <a:solidFill>
+            <a:srgbClr val="1A365D"/>
+          </a:solidFill>
+          <a:ln/>
+        </p:spPr>
+        <p:txBody>
+          <a:bodyPr/>
+          <a:lstStyle/>
+          <a:p>
+            <a:endParaRPr lang="it-IT"/>
+          </a:p>
+        </p:txBody>
+      </p:sp>
+      <p:sp>
+        <p:nvSpPr>
+          <p:cNvPr id="12" name="Shape 10"/>
+          <p:cNvSpPr/>
+          <p:nvPr/>
+        </p:nvSpPr>
+        <p:spPr>
+          <a:xfrm>
+            <a:off x="457200" y="3520440"/>
+            <a:ext cx="73152" cy="1371600"/>
+          </a:xfrm>
+          <a:prstGeom prst="rect">
+            <a:avLst/>
+          </a:prstGeom>
+          <a:solidFill>
+            <a:srgbClr val="FF3621"/>
+          </a:solidFill>
+          <a:ln/>
+        </p:spPr>
+        <p:txBody>
+          <a:bodyPr/>
+          <a:lstStyle/>
+          <a:p>
+            <a:endParaRPr lang="it-IT"/>
+          </a:p>
+        </p:txBody>
+      </p:sp>
+      <p:sp>
+        <p:nvSpPr>
+          <p:cNvPr id="13" name="Text 11"/>
+          <p:cNvSpPr/>
+          <p:nvPr/>
+        </p:nvSpPr>
+        <p:spPr>
+          <a:xfrm>
+            <a:off x="640080" y="3566160"/>
+            <a:ext cx="7772400" cy="320040"/>
+          </a:xfrm>
+          <a:prstGeom prst="rect">
+            <a:avLst/>
+          </a:prstGeom>
+          <a:noFill/>
+          <a:ln/>
+        </p:spPr>
+        <p:txBody>
+          <a:bodyPr wrap="square" lIns="0" tIns="0" rIns="0" bIns="0" rtlCol="0" anchor="ctr"/>
+          <a:lstStyle/>
+          <a:p>
+            <a:pPr marL="0" indent="0">
+              <a:buNone/>
+            </a:pPr>
+            <a:r>
+              <a:rPr lang="en-US" sz="1400" b="1" dirty="0">
+                <a:solidFill>
+                  <a:srgbClr val="FF3621"/>
+                </a:solidFill>
+                <a:latin typeface="Calibri" pitchFamily="34" charset="0"/>
+                <a:ea typeface="Calibri" pitchFamily="34" charset="-122"/>
+                <a:cs typeface="Calibri" pitchFamily="34" charset="-120"/>
+              </a:rPr>
+              <a:t>With Databricks</a:t>
+            </a:r>
+            <a:endParaRPr lang="en-US" sz="1400" dirty="0"/>
+          </a:p>
+        </p:txBody>
+      </p:sp>
+      <p:sp>
+        <p:nvSpPr>
+          <p:cNvPr id="14" name="Text 12"/>
+          <p:cNvSpPr/>
+          <p:nvPr/>
+        </p:nvSpPr>
+        <p:spPr>
+          <a:xfrm>
+            <a:off x="640080" y="3931920"/>
+            <a:ext cx="7772400" cy="914400"/>
+          </a:xfrm>
+          <a:prstGeom prst="rect">
+            <a:avLst/>
+          </a:prstGeom>
+          <a:noFill/>
+          <a:ln/>
+        </p:spPr>
+        <p:txBody>
+          <a:bodyPr wrap="square" rtlCol="0" anchor="t"/>
+          <a:lstStyle/>
+          <a:p>
+            <a:pPr marL="342900" indent="-342900">
+              <a:buSzPct val="100000"/>
+              <a:buChar char="•"/>
+            </a:pPr>
+            <a:r>
+              <a:rPr lang="en-US" sz="1200" dirty="0">
+                <a:solidFill>
+                  <a:srgbClr val="FFFFFF"/>
+                </a:solidFill>
+                <a:latin typeface="Calibri" pitchFamily="34" charset="0"/>
+                <a:ea typeface="Calibri" pitchFamily="34" charset="-122"/>
+                <a:cs typeface="Calibri" pitchFamily="34" charset="-120"/>
+              </a:rPr>
+              <a:t>Spark UI for detailed job analysis</a:t>
+            </a:r>
+            <a:endParaRPr lang="en-US" sz="1200" dirty="0"/>
+          </a:p>
+          <a:p>
+            <a:pPr marL="342900" indent="-342900">
+              <a:buSzPct val="100000"/>
+              <a:buChar char="•"/>
+            </a:pPr>
+            <a:r>
+              <a:rPr lang="en-US" sz="1200" dirty="0">
+                <a:solidFill>
+                  <a:srgbClr val="FFFFFF"/>
+                </a:solidFill>
+                <a:latin typeface="Calibri" pitchFamily="34" charset="0"/>
+                <a:ea typeface="Calibri" pitchFamily="34" charset="-122"/>
+                <a:cs typeface="Calibri" pitchFamily="34" charset="-120"/>
+              </a:rPr>
+              <a:t>Ganglia metrics + integrated query profiling</a:t>
+            </a:r>
+            <a:endParaRPr lang="en-US" sz="1200" dirty="0"/>
+          </a:p>
+          <a:p>
+            <a:pPr marL="342900" indent="-342900">
+              <a:buSzPct val="100000"/>
+              <a:buChar char="•"/>
+            </a:pPr>
+            <a:r>
+              <a:rPr lang="en-US" sz="1200" dirty="0">
+                <a:solidFill>
+                  <a:srgbClr val="FFFFFF"/>
+                </a:solidFill>
+                <a:latin typeface="Calibri" pitchFamily="34" charset="0"/>
+                <a:ea typeface="Calibri" pitchFamily="34" charset="-122"/>
+                <a:cs typeface="Calibri" pitchFamily="34" charset="-120"/>
+              </a:rPr>
+              <a:t>Visual data lineage in Unity Catalog</a:t>
+            </a:r>
+            <a:endParaRPr lang="en-US" sz="1200" dirty="0"/>
+          </a:p>
+        </p:txBody>
+      </p:sp>
+    </p:spTree>
+  </p:cSld>
+  <p:clrMapOvr>
+    <a:masterClrMapping/>
+  </p:clrMapOvr>
+</p:sld>
+</file>
+
+<file path=ppt/slides/slide14.xml><?xml version="1.0" encoding="utf-8"?>
+<p:sld xmlns:a="http://schemas.openxmlformats.org/drawingml/2006/main" xmlns:r="http://schemas.openxmlformats.org/officeDocument/2006/relationships" xmlns:p="http://schemas.openxmlformats.org/presentationml/2006/main">
   <p:cSld name="Slide 13">
     <p:bg>
       <p:bgPr>
@@ -4630,7 +5147,7 @@
 </p:sld>
 </file>
 
-<file path=ppt/slides/slide14.xml><?xml version="1.0" encoding="utf-8"?>
+<file path=ppt/slides/slide15.xml><?xml version="1.0" encoding="utf-8"?>
 <p:sld xmlns:a="http://schemas.openxmlformats.org/drawingml/2006/main" xmlns:r="http://schemas.openxmlformats.org/officeDocument/2006/relationships" xmlns:p="http://schemas.openxmlformats.org/presentationml/2006/main">
   <p:cSld name="Slide 14">
     <p:bg>
@@ -5182,554 +5699,6 @@
                 <a:cs typeface="Calibri" pitchFamily="34" charset="-120"/>
               </a:rPr>
               <a:t>Native audit logs and data masking for PII</a:t>
-            </a:r>
-            <a:endParaRPr lang="en-US" sz="1200" dirty="0"/>
-          </a:p>
-        </p:txBody>
-      </p:sp>
-    </p:spTree>
-  </p:cSld>
-  <p:clrMapOvr>
-    <a:masterClrMapping/>
-  </p:clrMapOvr>
-</p:sld>
-</file>
-
-<file path=ppt/slides/slide15.xml><?xml version="1.0" encoding="utf-8"?>
-<p:sld xmlns:a="http://schemas.openxmlformats.org/drawingml/2006/main" xmlns:r="http://schemas.openxmlformats.org/officeDocument/2006/relationships" xmlns:p="http://schemas.openxmlformats.org/presentationml/2006/main">
-  <p:cSld name="Slide 15">
-    <p:bg>
-      <p:bgPr>
-        <a:solidFill>
-          <a:srgbClr val="FFFFFF"/>
-        </a:solidFill>
-        <a:effectLst/>
-      </p:bgPr>
-    </p:bg>
-    <p:spTree>
-      <p:nvGrpSpPr>
-        <p:cNvPr id="1" name=""/>
-        <p:cNvGrpSpPr/>
-        <p:nvPr/>
-      </p:nvGrpSpPr>
-      <p:grpSpPr>
-        <a:xfrm>
-          <a:off x="0" y="0"/>
-          <a:ext cx="0" cy="0"/>
-          <a:chOff x="0" y="0"/>
-          <a:chExt cx="0" cy="0"/>
-        </a:xfrm>
-      </p:grpSpPr>
-      <p:sp>
-        <p:nvSpPr>
-          <p:cNvPr id="2" name="Text 0"/>
-          <p:cNvSpPr/>
-          <p:nvPr/>
-        </p:nvSpPr>
-        <p:spPr>
-          <a:xfrm>
-            <a:off x="457200" y="274320"/>
-            <a:ext cx="8229600" cy="502920"/>
-          </a:xfrm>
-          <a:prstGeom prst="rect">
-            <a:avLst/>
-          </a:prstGeom>
-          <a:noFill/>
-          <a:ln/>
-        </p:spPr>
-        <p:txBody>
-          <a:bodyPr wrap="square" lIns="0" tIns="0" rIns="0" bIns="0" rtlCol="0" anchor="ctr"/>
-          <a:lstStyle/>
-          <a:p>
-            <a:pPr marL="0" indent="0">
-              <a:buNone/>
-            </a:pPr>
-            <a:r>
-              <a:rPr lang="en-US" sz="3000" b="1" dirty="0">
-                <a:solidFill>
-                  <a:srgbClr val="1A365D"/>
-                </a:solidFill>
-                <a:latin typeface="Trebuchet MS" pitchFamily="34" charset="0"/>
-                <a:ea typeface="Trebuchet MS" pitchFamily="34" charset="-122"/>
-                <a:cs typeface="Trebuchet MS" pitchFamily="34" charset="-120"/>
-              </a:rPr>
-              <a:t>Observability</a:t>
-            </a:r>
-            <a:endParaRPr lang="en-US" sz="3000" dirty="0"/>
-          </a:p>
-        </p:txBody>
-      </p:sp>
-      <p:sp>
-        <p:nvSpPr>
-          <p:cNvPr id="3" name="Shape 1"/>
-          <p:cNvSpPr/>
-          <p:nvPr/>
-        </p:nvSpPr>
-        <p:spPr>
-          <a:xfrm>
-            <a:off x="457200" y="868680"/>
-            <a:ext cx="8229600" cy="1234440"/>
-          </a:xfrm>
-          <a:prstGeom prst="rect">
-            <a:avLst/>
-          </a:prstGeom>
-          <a:solidFill>
-            <a:srgbClr val="E2E8F0"/>
-          </a:solidFill>
-          <a:ln/>
-        </p:spPr>
-        <p:txBody>
-          <a:bodyPr/>
-          <a:lstStyle/>
-          <a:p>
-            <a:endParaRPr lang="it-IT"/>
-          </a:p>
-        </p:txBody>
-      </p:sp>
-      <p:sp>
-        <p:nvSpPr>
-          <p:cNvPr id="4" name="Shape 2"/>
-          <p:cNvSpPr/>
-          <p:nvPr/>
-        </p:nvSpPr>
-        <p:spPr>
-          <a:xfrm>
-            <a:off x="457200" y="868680"/>
-            <a:ext cx="73152" cy="1234440"/>
-          </a:xfrm>
-          <a:prstGeom prst="rect">
-            <a:avLst/>
-          </a:prstGeom>
-          <a:solidFill>
-            <a:srgbClr val="2B6CB0"/>
-          </a:solidFill>
-          <a:ln/>
-        </p:spPr>
-        <p:txBody>
-          <a:bodyPr/>
-          <a:lstStyle/>
-          <a:p>
-            <a:endParaRPr lang="it-IT"/>
-          </a:p>
-        </p:txBody>
-      </p:sp>
-      <p:sp>
-        <p:nvSpPr>
-          <p:cNvPr id="5" name="Text 3"/>
-          <p:cNvSpPr/>
-          <p:nvPr/>
-        </p:nvSpPr>
-        <p:spPr>
-          <a:xfrm>
-            <a:off x="640080" y="914400"/>
-            <a:ext cx="7772400" cy="320040"/>
-          </a:xfrm>
-          <a:prstGeom prst="rect">
-            <a:avLst/>
-          </a:prstGeom>
-          <a:noFill/>
-          <a:ln/>
-        </p:spPr>
-        <p:txBody>
-          <a:bodyPr wrap="square" lIns="0" tIns="0" rIns="0" bIns="0" rtlCol="0" anchor="ctr"/>
-          <a:lstStyle/>
-          <a:p>
-            <a:pPr marL="0" indent="0">
-              <a:buNone/>
-            </a:pPr>
-            <a:r>
-              <a:rPr lang="en-US" sz="1400" b="1" dirty="0">
-                <a:solidFill>
-                  <a:srgbClr val="2B6CB0"/>
-                </a:solidFill>
-                <a:latin typeface="Calibri" pitchFamily="34" charset="0"/>
-                <a:ea typeface="Calibri" pitchFamily="34" charset="-122"/>
-                <a:cs typeface="Calibri" pitchFamily="34" charset="-120"/>
-              </a:rPr>
-              <a:t>Current Implementation</a:t>
-            </a:r>
-            <a:endParaRPr lang="en-US" sz="1400" dirty="0"/>
-          </a:p>
-        </p:txBody>
-      </p:sp>
-      <p:sp>
-        <p:nvSpPr>
-          <p:cNvPr id="6" name="Text 4"/>
-          <p:cNvSpPr/>
-          <p:nvPr/>
-        </p:nvSpPr>
-        <p:spPr>
-          <a:xfrm>
-            <a:off x="640080" y="1280160"/>
-            <a:ext cx="7772400" cy="777240"/>
-          </a:xfrm>
-          <a:prstGeom prst="rect">
-            <a:avLst/>
-          </a:prstGeom>
-          <a:noFill/>
-          <a:ln/>
-        </p:spPr>
-        <p:txBody>
-          <a:bodyPr wrap="square" rtlCol="0" anchor="t"/>
-          <a:lstStyle/>
-          <a:p>
-            <a:pPr marL="342900" indent="-342900">
-              <a:buSzPct val="100000"/>
-              <a:buChar char="•"/>
-            </a:pPr>
-            <a:r>
-              <a:rPr lang="en-US" sz="1200" dirty="0">
-                <a:solidFill>
-                  <a:srgbClr val="1A202C"/>
-                </a:solidFill>
-                <a:latin typeface="Calibri" pitchFamily="34" charset="0"/>
-                <a:ea typeface="Calibri" pitchFamily="34" charset="-122"/>
-                <a:cs typeface="Calibri" pitchFamily="34" charset="-120"/>
-              </a:rPr>
-              <a:t>Custom metrics (rows processed, duration)</a:t>
-            </a:r>
-            <a:endParaRPr lang="en-US" sz="1200" dirty="0"/>
-          </a:p>
-        </p:txBody>
-      </p:sp>
-      <p:sp>
-        <p:nvSpPr>
-          <p:cNvPr id="7" name="Shape 5"/>
-          <p:cNvSpPr/>
-          <p:nvPr/>
-        </p:nvSpPr>
-        <p:spPr>
-          <a:xfrm>
-            <a:off x="457200" y="2194560"/>
-            <a:ext cx="8229600" cy="1234440"/>
-          </a:xfrm>
-          <a:prstGeom prst="rect">
-            <a:avLst/>
-          </a:prstGeom>
-          <a:solidFill>
-            <a:srgbClr val="FFFFFF"/>
-          </a:solidFill>
-          <a:ln w="12700">
-            <a:solidFill>
-              <a:srgbClr val="38B2AC"/>
-            </a:solidFill>
-            <a:prstDash val="solid"/>
-          </a:ln>
-        </p:spPr>
-        <p:txBody>
-          <a:bodyPr/>
-          <a:lstStyle/>
-          <a:p>
-            <a:endParaRPr lang="it-IT"/>
-          </a:p>
-        </p:txBody>
-      </p:sp>
-      <p:sp>
-        <p:nvSpPr>
-          <p:cNvPr id="8" name="Shape 6"/>
-          <p:cNvSpPr/>
-          <p:nvPr/>
-        </p:nvSpPr>
-        <p:spPr>
-          <a:xfrm>
-            <a:off x="457200" y="2194560"/>
-            <a:ext cx="73152" cy="1234440"/>
-          </a:xfrm>
-          <a:prstGeom prst="rect">
-            <a:avLst/>
-          </a:prstGeom>
-          <a:solidFill>
-            <a:srgbClr val="38B2AC"/>
-          </a:solidFill>
-          <a:ln/>
-        </p:spPr>
-        <p:txBody>
-          <a:bodyPr/>
-          <a:lstStyle/>
-          <a:p>
-            <a:endParaRPr lang="it-IT"/>
-          </a:p>
-        </p:txBody>
-      </p:sp>
-      <p:sp>
-        <p:nvSpPr>
-          <p:cNvPr id="9" name="Text 7"/>
-          <p:cNvSpPr/>
-          <p:nvPr/>
-        </p:nvSpPr>
-        <p:spPr>
-          <a:xfrm>
-            <a:off x="640080" y="2240280"/>
-            <a:ext cx="7772400" cy="320040"/>
-          </a:xfrm>
-          <a:prstGeom prst="rect">
-            <a:avLst/>
-          </a:prstGeom>
-          <a:noFill/>
-          <a:ln/>
-        </p:spPr>
-        <p:txBody>
-          <a:bodyPr wrap="square" lIns="0" tIns="0" rIns="0" bIns="0" rtlCol="0" anchor="ctr"/>
-          <a:lstStyle/>
-          <a:p>
-            <a:pPr marL="0" indent="0">
-              <a:buNone/>
-            </a:pPr>
-            <a:r>
-              <a:rPr lang="en-US" sz="1400" b="1" dirty="0">
-                <a:solidFill>
-                  <a:srgbClr val="38B2AC"/>
-                </a:solidFill>
-                <a:latin typeface="Calibri" pitchFamily="34" charset="0"/>
-                <a:ea typeface="Calibri" pitchFamily="34" charset="-122"/>
-                <a:cs typeface="Calibri" pitchFamily="34" charset="-120"/>
-              </a:rPr>
-              <a:t>To Improve → General Approach</a:t>
-            </a:r>
-            <a:endParaRPr lang="en-US" sz="1400" dirty="0"/>
-          </a:p>
-        </p:txBody>
-      </p:sp>
-      <p:sp>
-        <p:nvSpPr>
-          <p:cNvPr id="10" name="Text 8"/>
-          <p:cNvSpPr/>
-          <p:nvPr/>
-        </p:nvSpPr>
-        <p:spPr>
-          <a:xfrm>
-            <a:off x="640080" y="2606040"/>
-            <a:ext cx="7772400" cy="777240"/>
-          </a:xfrm>
-          <a:prstGeom prst="rect">
-            <a:avLst/>
-          </a:prstGeom>
-          <a:noFill/>
-          <a:ln/>
-        </p:spPr>
-        <p:txBody>
-          <a:bodyPr wrap="square" rtlCol="0" anchor="t"/>
-          <a:lstStyle/>
-          <a:p>
-            <a:pPr marL="342900" indent="-342900">
-              <a:buSzPct val="100000"/>
-              <a:buChar char="•"/>
-            </a:pPr>
-            <a:r>
-              <a:rPr lang="en-US" sz="1200" dirty="0">
-                <a:solidFill>
-                  <a:srgbClr val="1A202C"/>
-                </a:solidFill>
-                <a:latin typeface="Calibri" pitchFamily="34" charset="0"/>
-                <a:ea typeface="Calibri" pitchFamily="34" charset="-122"/>
-                <a:cs typeface="Calibri" pitchFamily="34" charset="-120"/>
-              </a:rPr>
-              <a:t>Distributed tracing (OpenTelemetry, Jaeger)</a:t>
-            </a:r>
-            <a:endParaRPr lang="en-US" sz="1200" dirty="0"/>
-          </a:p>
-          <a:p>
-            <a:pPr marL="342900" indent="-342900">
-              <a:buSzPct val="100000"/>
-              <a:buChar char="•"/>
-            </a:pPr>
-            <a:r>
-              <a:rPr lang="en-US" sz="1200" dirty="0">
-                <a:solidFill>
-                  <a:srgbClr val="1A202C"/>
-                </a:solidFill>
-                <a:latin typeface="Calibri" pitchFamily="34" charset="0"/>
-                <a:ea typeface="Calibri" pitchFamily="34" charset="-122"/>
-                <a:cs typeface="Calibri" pitchFamily="34" charset="-120"/>
-              </a:rPr>
-              <a:t>Real-time metrics with Prometheus/Grafana</a:t>
-            </a:r>
-            <a:endParaRPr lang="en-US" sz="1200" dirty="0"/>
-          </a:p>
-          <a:p>
-            <a:pPr marL="342900" indent="-342900">
-              <a:buSzPct val="100000"/>
-              <a:buChar char="•"/>
-            </a:pPr>
-            <a:r>
-              <a:rPr lang="en-US" sz="1200" dirty="0">
-                <a:solidFill>
-                  <a:srgbClr val="1A202C"/>
-                </a:solidFill>
-                <a:latin typeface="Calibri" pitchFamily="34" charset="0"/>
-                <a:ea typeface="Calibri" pitchFamily="34" charset="-122"/>
-                <a:cs typeface="Calibri" pitchFamily="34" charset="-120"/>
-              </a:rPr>
-              <a:t>Data lineage to understand change impact</a:t>
-            </a:r>
-            <a:endParaRPr lang="en-US" sz="1200" dirty="0"/>
-          </a:p>
-        </p:txBody>
-      </p:sp>
-      <p:sp>
-        <p:nvSpPr>
-          <p:cNvPr id="11" name="Shape 9"/>
-          <p:cNvSpPr/>
-          <p:nvPr/>
-        </p:nvSpPr>
-        <p:spPr>
-          <a:xfrm>
-            <a:off x="457200" y="3520440"/>
-            <a:ext cx="8229600" cy="1371600"/>
-          </a:xfrm>
-          <a:prstGeom prst="rect">
-            <a:avLst/>
-          </a:prstGeom>
-          <a:solidFill>
-            <a:srgbClr val="1A365D"/>
-          </a:solidFill>
-          <a:ln/>
-        </p:spPr>
-        <p:txBody>
-          <a:bodyPr/>
-          <a:lstStyle/>
-          <a:p>
-            <a:endParaRPr lang="it-IT"/>
-          </a:p>
-        </p:txBody>
-      </p:sp>
-      <p:sp>
-        <p:nvSpPr>
-          <p:cNvPr id="12" name="Shape 10"/>
-          <p:cNvSpPr/>
-          <p:nvPr/>
-        </p:nvSpPr>
-        <p:spPr>
-          <a:xfrm>
-            <a:off x="457200" y="3520440"/>
-            <a:ext cx="73152" cy="1371600"/>
-          </a:xfrm>
-          <a:prstGeom prst="rect">
-            <a:avLst/>
-          </a:prstGeom>
-          <a:solidFill>
-            <a:srgbClr val="FF3621"/>
-          </a:solidFill>
-          <a:ln/>
-        </p:spPr>
-        <p:txBody>
-          <a:bodyPr/>
-          <a:lstStyle/>
-          <a:p>
-            <a:endParaRPr lang="it-IT"/>
-          </a:p>
-        </p:txBody>
-      </p:sp>
-      <p:sp>
-        <p:nvSpPr>
-          <p:cNvPr id="13" name="Text 11"/>
-          <p:cNvSpPr/>
-          <p:nvPr/>
-        </p:nvSpPr>
-        <p:spPr>
-          <a:xfrm>
-            <a:off x="640080" y="3566160"/>
-            <a:ext cx="7772400" cy="320040"/>
-          </a:xfrm>
-          <a:prstGeom prst="rect">
-            <a:avLst/>
-          </a:prstGeom>
-          <a:noFill/>
-          <a:ln/>
-        </p:spPr>
-        <p:txBody>
-          <a:bodyPr wrap="square" lIns="0" tIns="0" rIns="0" bIns="0" rtlCol="0" anchor="ctr"/>
-          <a:lstStyle/>
-          <a:p>
-            <a:pPr marL="0" indent="0">
-              <a:buNone/>
-            </a:pPr>
-            <a:r>
-              <a:rPr lang="en-US" sz="1400" b="1" dirty="0">
-                <a:solidFill>
-                  <a:srgbClr val="FF3621"/>
-                </a:solidFill>
-                <a:latin typeface="Calibri" pitchFamily="34" charset="0"/>
-                <a:ea typeface="Calibri" pitchFamily="34" charset="-122"/>
-                <a:cs typeface="Calibri" pitchFamily="34" charset="-120"/>
-              </a:rPr>
-              <a:t>With Databricks</a:t>
-            </a:r>
-            <a:endParaRPr lang="en-US" sz="1400" dirty="0"/>
-          </a:p>
-        </p:txBody>
-      </p:sp>
-      <p:sp>
-        <p:nvSpPr>
-          <p:cNvPr id="14" name="Text 12"/>
-          <p:cNvSpPr/>
-          <p:nvPr/>
-        </p:nvSpPr>
-        <p:spPr>
-          <a:xfrm>
-            <a:off x="640080" y="3931920"/>
-            <a:ext cx="7772400" cy="914400"/>
-          </a:xfrm>
-          <a:prstGeom prst="rect">
-            <a:avLst/>
-          </a:prstGeom>
-          <a:noFill/>
-          <a:ln/>
-        </p:spPr>
-        <p:txBody>
-          <a:bodyPr wrap="square" rtlCol="0" anchor="t"/>
-          <a:lstStyle/>
-          <a:p>
-            <a:pPr marL="342900" indent="-342900">
-              <a:buSzPct val="100000"/>
-              <a:buChar char="•"/>
-            </a:pPr>
-            <a:r>
-              <a:rPr lang="en-US" sz="1200" dirty="0">
-                <a:solidFill>
-                  <a:srgbClr val="FFFFFF"/>
-                </a:solidFill>
-                <a:latin typeface="Calibri" pitchFamily="34" charset="0"/>
-                <a:ea typeface="Calibri" pitchFamily="34" charset="-122"/>
-                <a:cs typeface="Calibri" pitchFamily="34" charset="-120"/>
-              </a:rPr>
-              <a:t>Spark UI for detailed job analysis</a:t>
-            </a:r>
-            <a:endParaRPr lang="en-US" sz="1200" dirty="0"/>
-          </a:p>
-          <a:p>
-            <a:pPr marL="342900" indent="-342900">
-              <a:buSzPct val="100000"/>
-              <a:buChar char="•"/>
-            </a:pPr>
-            <a:r>
-              <a:rPr lang="en-US" sz="1200" dirty="0">
-                <a:solidFill>
-                  <a:srgbClr val="FFFFFF"/>
-                </a:solidFill>
-                <a:latin typeface="Calibri" pitchFamily="34" charset="0"/>
-                <a:ea typeface="Calibri" pitchFamily="34" charset="-122"/>
-                <a:cs typeface="Calibri" pitchFamily="34" charset="-120"/>
-              </a:rPr>
-              <a:t>Ganglia metrics + integrated query profiling</a:t>
-            </a:r>
-            <a:endParaRPr lang="en-US" sz="1200" dirty="0"/>
-          </a:p>
-          <a:p>
-            <a:pPr marL="342900" indent="-342900">
-              <a:buSzPct val="100000"/>
-              <a:buChar char="•"/>
-            </a:pPr>
-            <a:r>
-              <a:rPr lang="en-US" sz="1200" dirty="0">
-                <a:solidFill>
-                  <a:srgbClr val="FFFFFF"/>
-                </a:solidFill>
-                <a:latin typeface="Calibri" pitchFamily="34" charset="0"/>
-                <a:ea typeface="Calibri" pitchFamily="34" charset="-122"/>
-                <a:cs typeface="Calibri" pitchFamily="34" charset="-120"/>
-              </a:rPr>
-              <a:t>Visual data lineage in Unity Catalog</a:t>
             </a:r>
             <a:endParaRPr lang="en-US" sz="1200" dirty="0"/>
           </a:p>
@@ -6293,485 +6262,6 @@
 
 <file path=ppt/slides/slide17.xml><?xml version="1.0" encoding="utf-8"?>
 <p:sld xmlns:a="http://schemas.openxmlformats.org/drawingml/2006/main" xmlns:r="http://schemas.openxmlformats.org/officeDocument/2006/relationships" xmlns:p="http://schemas.openxmlformats.org/presentationml/2006/main">
-  <p:cSld name="Slide 17">
-    <p:bg>
-      <p:bgPr>
-        <a:solidFill>
-          <a:srgbClr val="FFFFFF"/>
-        </a:solidFill>
-        <a:effectLst/>
-      </p:bgPr>
-    </p:bg>
-    <p:spTree>
-      <p:nvGrpSpPr>
-        <p:cNvPr id="1" name=""/>
-        <p:cNvGrpSpPr/>
-        <p:nvPr/>
-      </p:nvGrpSpPr>
-      <p:grpSpPr>
-        <a:xfrm>
-          <a:off x="0" y="0"/>
-          <a:ext cx="0" cy="0"/>
-          <a:chOff x="0" y="0"/>
-          <a:chExt cx="0" cy="0"/>
-        </a:xfrm>
-      </p:grpSpPr>
-      <p:sp>
-        <p:nvSpPr>
-          <p:cNvPr id="2" name="Text 0"/>
-          <p:cNvSpPr/>
-          <p:nvPr/>
-        </p:nvSpPr>
-        <p:spPr>
-          <a:xfrm>
-            <a:off x="457200" y="320040"/>
-            <a:ext cx="8229600" cy="548640"/>
-          </a:xfrm>
-          <a:prstGeom prst="rect">
-            <a:avLst/>
-          </a:prstGeom>
-          <a:noFill/>
-          <a:ln/>
-        </p:spPr>
-        <p:txBody>
-          <a:bodyPr wrap="square" lIns="0" tIns="0" rIns="0" bIns="0" rtlCol="0" anchor="ctr"/>
-          <a:lstStyle/>
-          <a:p>
-            <a:pPr marL="0" indent="0">
-              <a:buNone/>
-            </a:pPr>
-            <a:r>
-              <a:rPr lang="en-US" sz="3600" b="1" dirty="0">
-                <a:solidFill>
-                  <a:srgbClr val="1A365D"/>
-                </a:solidFill>
-                <a:latin typeface="Trebuchet MS" pitchFamily="34" charset="0"/>
-                <a:ea typeface="Trebuchet MS" pitchFamily="34" charset="-122"/>
-                <a:cs typeface="Trebuchet MS" pitchFamily="34" charset="-120"/>
-              </a:rPr>
-              <a:t>Summary</a:t>
-            </a:r>
-            <a:endParaRPr lang="en-US" sz="3600" dirty="0"/>
-          </a:p>
-        </p:txBody>
-      </p:sp>
-      <p:sp>
-        <p:nvSpPr>
-          <p:cNvPr id="3" name="Shape 1"/>
-          <p:cNvSpPr/>
-          <p:nvPr/>
-        </p:nvSpPr>
-        <p:spPr>
-          <a:xfrm>
-            <a:off x="457200" y="1097280"/>
-            <a:ext cx="228600" cy="228600"/>
-          </a:xfrm>
-          <a:prstGeom prst="rect">
-            <a:avLst/>
-          </a:prstGeom>
-          <a:solidFill>
-            <a:srgbClr val="1A365D"/>
-          </a:solidFill>
-          <a:ln/>
-        </p:spPr>
-        <p:txBody>
-          <a:bodyPr/>
-          <a:lstStyle/>
-          <a:p>
-            <a:endParaRPr lang="it-IT"/>
-          </a:p>
-        </p:txBody>
-      </p:sp>
-      <p:sp>
-        <p:nvSpPr>
-          <p:cNvPr id="4" name="Text 2"/>
-          <p:cNvSpPr/>
-          <p:nvPr/>
-        </p:nvSpPr>
-        <p:spPr>
-          <a:xfrm>
-            <a:off x="822960" y="1051560"/>
-            <a:ext cx="7772400" cy="365760"/>
-          </a:xfrm>
-          <a:prstGeom prst="rect">
-            <a:avLst/>
-          </a:prstGeom>
-          <a:noFill/>
-          <a:ln/>
-        </p:spPr>
-        <p:txBody>
-          <a:bodyPr wrap="square" lIns="0" tIns="0" rIns="0" bIns="0" rtlCol="0" anchor="ctr"/>
-          <a:lstStyle/>
-          <a:p>
-            <a:pPr marL="0" indent="0">
-              <a:buNone/>
-            </a:pPr>
-            <a:r>
-              <a:rPr lang="en-US" sz="1400" dirty="0">
-                <a:solidFill>
-                  <a:srgbClr val="1A202C"/>
-                </a:solidFill>
-                <a:latin typeface="Calibri" pitchFamily="34" charset="0"/>
-                <a:ea typeface="Calibri" pitchFamily="34" charset="-122"/>
-                <a:cs typeface="Calibri" pitchFamily="34" charset="-120"/>
-              </a:rPr>
-              <a:t>Modular, testable ETL pipeline with clear separation of concerns</a:t>
-            </a:r>
-            <a:endParaRPr lang="en-US" sz="1400" dirty="0"/>
-          </a:p>
-        </p:txBody>
-      </p:sp>
-      <p:sp>
-        <p:nvSpPr>
-          <p:cNvPr id="5" name="Shape 3"/>
-          <p:cNvSpPr/>
-          <p:nvPr/>
-        </p:nvSpPr>
-        <p:spPr>
-          <a:xfrm>
-            <a:off x="457200" y="1691640"/>
-            <a:ext cx="228600" cy="228600"/>
-          </a:xfrm>
-          <a:prstGeom prst="rect">
-            <a:avLst/>
-          </a:prstGeom>
-          <a:solidFill>
-            <a:srgbClr val="38B2AC"/>
-          </a:solidFill>
-          <a:ln/>
-        </p:spPr>
-        <p:txBody>
-          <a:bodyPr/>
-          <a:lstStyle/>
-          <a:p>
-            <a:endParaRPr lang="it-IT"/>
-          </a:p>
-        </p:txBody>
-      </p:sp>
-      <p:sp>
-        <p:nvSpPr>
-          <p:cNvPr id="6" name="Text 4"/>
-          <p:cNvSpPr/>
-          <p:nvPr/>
-        </p:nvSpPr>
-        <p:spPr>
-          <a:xfrm>
-            <a:off x="822960" y="1645920"/>
-            <a:ext cx="7772400" cy="365760"/>
-          </a:xfrm>
-          <a:prstGeom prst="rect">
-            <a:avLst/>
-          </a:prstGeom>
-          <a:noFill/>
-          <a:ln/>
-        </p:spPr>
-        <p:txBody>
-          <a:bodyPr wrap="square" lIns="0" tIns="0" rIns="0" bIns="0" rtlCol="0" anchor="ctr"/>
-          <a:lstStyle/>
-          <a:p>
-            <a:pPr marL="0" indent="0">
-              <a:buNone/>
-            </a:pPr>
-            <a:r>
-              <a:rPr lang="en-US" sz="1400" dirty="0">
-                <a:solidFill>
-                  <a:srgbClr val="1A202C"/>
-                </a:solidFill>
-                <a:latin typeface="Calibri" pitchFamily="34" charset="0"/>
-                <a:ea typeface="Calibri" pitchFamily="34" charset="-122"/>
-                <a:cs typeface="Calibri" pitchFamily="34" charset="-120"/>
-              </a:rPr>
-              <a:t>Idempotent UPSERT operations for safe re-runs</a:t>
-            </a:r>
-            <a:endParaRPr lang="en-US" sz="1400" dirty="0"/>
-          </a:p>
-        </p:txBody>
-      </p:sp>
-      <p:sp>
-        <p:nvSpPr>
-          <p:cNvPr id="7" name="Shape 5"/>
-          <p:cNvSpPr/>
-          <p:nvPr/>
-        </p:nvSpPr>
-        <p:spPr>
-          <a:xfrm>
-            <a:off x="457200" y="2286000"/>
-            <a:ext cx="228600" cy="228600"/>
-          </a:xfrm>
-          <a:prstGeom prst="rect">
-            <a:avLst/>
-          </a:prstGeom>
-          <a:solidFill>
-            <a:srgbClr val="2B6CB0"/>
-          </a:solidFill>
-          <a:ln/>
-        </p:spPr>
-        <p:txBody>
-          <a:bodyPr/>
-          <a:lstStyle/>
-          <a:p>
-            <a:endParaRPr lang="it-IT"/>
-          </a:p>
-        </p:txBody>
-      </p:sp>
-      <p:sp>
-        <p:nvSpPr>
-          <p:cNvPr id="8" name="Text 6"/>
-          <p:cNvSpPr/>
-          <p:nvPr/>
-        </p:nvSpPr>
-        <p:spPr>
-          <a:xfrm>
-            <a:off x="822960" y="2240280"/>
-            <a:ext cx="7772400" cy="365760"/>
-          </a:xfrm>
-          <a:prstGeom prst="rect">
-            <a:avLst/>
-          </a:prstGeom>
-          <a:noFill/>
-          <a:ln/>
-        </p:spPr>
-        <p:txBody>
-          <a:bodyPr wrap="square" lIns="0" tIns="0" rIns="0" bIns="0" rtlCol="0" anchor="ctr"/>
-          <a:lstStyle/>
-          <a:p>
-            <a:pPr marL="0" indent="0">
-              <a:buNone/>
-            </a:pPr>
-            <a:r>
-              <a:rPr lang="en-US" sz="1400" dirty="0">
-                <a:solidFill>
-                  <a:srgbClr val="1A202C"/>
-                </a:solidFill>
-                <a:latin typeface="Calibri" pitchFamily="34" charset="0"/>
-                <a:ea typeface="Calibri" pitchFamily="34" charset="-122"/>
-                <a:cs typeface="Calibri" pitchFamily="34" charset="-120"/>
-              </a:rPr>
-              <a:t>Comprehensive validation with Pandera schemas</a:t>
-            </a:r>
-            <a:endParaRPr lang="en-US" sz="1400" dirty="0"/>
-          </a:p>
-        </p:txBody>
-      </p:sp>
-      <p:sp>
-        <p:nvSpPr>
-          <p:cNvPr id="9" name="Shape 7"/>
-          <p:cNvSpPr/>
-          <p:nvPr/>
-        </p:nvSpPr>
-        <p:spPr>
-          <a:xfrm>
-            <a:off x="457200" y="2880360"/>
-            <a:ext cx="228600" cy="228600"/>
-          </a:xfrm>
-          <a:prstGeom prst="rect">
-            <a:avLst/>
-          </a:prstGeom>
-          <a:solidFill>
-            <a:srgbClr val="FF3621"/>
-          </a:solidFill>
-          <a:ln/>
-        </p:spPr>
-        <p:txBody>
-          <a:bodyPr/>
-          <a:lstStyle/>
-          <a:p>
-            <a:endParaRPr lang="it-IT"/>
-          </a:p>
-        </p:txBody>
-      </p:sp>
-      <p:sp>
-        <p:nvSpPr>
-          <p:cNvPr id="10" name="Text 8"/>
-          <p:cNvSpPr/>
-          <p:nvPr/>
-        </p:nvSpPr>
-        <p:spPr>
-          <a:xfrm>
-            <a:off x="822960" y="2834640"/>
-            <a:ext cx="7772400" cy="365760"/>
-          </a:xfrm>
-          <a:prstGeom prst="rect">
-            <a:avLst/>
-          </a:prstGeom>
-          <a:noFill/>
-          <a:ln/>
-        </p:spPr>
-        <p:txBody>
-          <a:bodyPr wrap="square" lIns="0" tIns="0" rIns="0" bIns="0" rtlCol="0" anchor="ctr"/>
-          <a:lstStyle/>
-          <a:p>
-            <a:pPr marL="0" indent="0">
-              <a:buNone/>
-            </a:pPr>
-            <a:r>
-              <a:rPr lang="en-US" sz="1400" dirty="0">
-                <a:solidFill>
-                  <a:srgbClr val="1A202C"/>
-                </a:solidFill>
-                <a:latin typeface="Calibri" pitchFamily="34" charset="0"/>
-                <a:ea typeface="Calibri" pitchFamily="34" charset="-122"/>
-                <a:cs typeface="Calibri" pitchFamily="34" charset="-120"/>
-              </a:rPr>
-              <a:t>Production-ready: Docker, AWS ECS/RDS deployment</a:t>
-            </a:r>
-            <a:endParaRPr lang="en-US" sz="1400" dirty="0"/>
-          </a:p>
-        </p:txBody>
-      </p:sp>
-      <p:sp>
-        <p:nvSpPr>
-          <p:cNvPr id="11" name="Shape 9"/>
-          <p:cNvSpPr/>
-          <p:nvPr/>
-        </p:nvSpPr>
-        <p:spPr>
-          <a:xfrm>
-            <a:off x="457200" y="3474720"/>
-            <a:ext cx="228600" cy="228600"/>
-          </a:xfrm>
-          <a:prstGeom prst="rect">
-            <a:avLst/>
-          </a:prstGeom>
-          <a:solidFill>
-            <a:srgbClr val="38B2AC"/>
-          </a:solidFill>
-          <a:ln/>
-        </p:spPr>
-        <p:txBody>
-          <a:bodyPr/>
-          <a:lstStyle/>
-          <a:p>
-            <a:endParaRPr lang="it-IT"/>
-          </a:p>
-        </p:txBody>
-      </p:sp>
-      <p:sp>
-        <p:nvSpPr>
-          <p:cNvPr id="12" name="Text 10"/>
-          <p:cNvSpPr/>
-          <p:nvPr/>
-        </p:nvSpPr>
-        <p:spPr>
-          <a:xfrm>
-            <a:off x="822960" y="3429000"/>
-            <a:ext cx="7772400" cy="365760"/>
-          </a:xfrm>
-          <a:prstGeom prst="rect">
-            <a:avLst/>
-          </a:prstGeom>
-          <a:noFill/>
-          <a:ln/>
-        </p:spPr>
-        <p:txBody>
-          <a:bodyPr wrap="square" lIns="0" tIns="0" rIns="0" bIns="0" rtlCol="0" anchor="ctr"/>
-          <a:lstStyle/>
-          <a:p>
-            <a:pPr marL="0" indent="0">
-              <a:buNone/>
-            </a:pPr>
-            <a:r>
-              <a:rPr lang="en-US" sz="1400" dirty="0">
-                <a:solidFill>
-                  <a:srgbClr val="1A202C"/>
-                </a:solidFill>
-                <a:latin typeface="Calibri" pitchFamily="34" charset="0"/>
-                <a:ea typeface="Calibri" pitchFamily="34" charset="-122"/>
-                <a:cs typeface="Calibri" pitchFamily="34" charset="-120"/>
-              </a:rPr>
-              <a:t>Designed for evolution: schema changes, scaling, monitoring</a:t>
-            </a:r>
-            <a:endParaRPr lang="en-US" sz="1400" dirty="0"/>
-          </a:p>
-        </p:txBody>
-      </p:sp>
-      <p:sp>
-        <p:nvSpPr>
-          <p:cNvPr id="13" name="Shape 11"/>
-          <p:cNvSpPr/>
-          <p:nvPr/>
-        </p:nvSpPr>
-        <p:spPr>
-          <a:xfrm>
-            <a:off x="457200" y="4023360"/>
-            <a:ext cx="8229600" cy="822960"/>
-          </a:xfrm>
-          <a:prstGeom prst="rect">
-            <a:avLst/>
-          </a:prstGeom>
-          <a:solidFill>
-            <a:srgbClr val="1A365D"/>
-          </a:solidFill>
-          <a:ln/>
-        </p:spPr>
-        <p:txBody>
-          <a:bodyPr/>
-          <a:lstStyle/>
-          <a:p>
-            <a:endParaRPr lang="it-IT"/>
-          </a:p>
-        </p:txBody>
-      </p:sp>
-      <p:sp>
-        <p:nvSpPr>
-          <p:cNvPr id="14" name="Text 12"/>
-          <p:cNvSpPr/>
-          <p:nvPr/>
-        </p:nvSpPr>
-        <p:spPr>
-          <a:xfrm>
-            <a:off x="640080" y="4160520"/>
-            <a:ext cx="7863840" cy="548640"/>
-          </a:xfrm>
-          <a:prstGeom prst="rect">
-            <a:avLst/>
-          </a:prstGeom>
-          <a:noFill/>
-          <a:ln/>
-        </p:spPr>
-        <p:txBody>
-          <a:bodyPr wrap="square" rtlCol="0" anchor="ctr"/>
-          <a:lstStyle/>
-          <a:p>
-            <a:pPr marL="0" indent="0">
-              <a:buNone/>
-            </a:pPr>
-            <a:r>
-              <a:rPr lang="en-US" sz="1300" b="1" dirty="0">
-                <a:solidFill>
-                  <a:srgbClr val="FF3621"/>
-                </a:solidFill>
-                <a:latin typeface="Calibri" pitchFamily="34" charset="0"/>
-                <a:ea typeface="Calibri" pitchFamily="34" charset="-122"/>
-                <a:cs typeface="Calibri" pitchFamily="34" charset="-120"/>
-              </a:rPr>
-              <a:t>Databricks </a:t>
-            </a:r>
-            <a:r>
-              <a:rPr lang="en-US" sz="1300" dirty="0">
-                <a:solidFill>
-                  <a:srgbClr val="FFFFFF"/>
-                </a:solidFill>
-                <a:latin typeface="Calibri" pitchFamily="34" charset="0"/>
-                <a:ea typeface="Calibri" pitchFamily="34" charset="-122"/>
-                <a:cs typeface="Calibri" pitchFamily="34" charset="-120"/>
-              </a:rPr>
-              <a:t>provides an integrated platform to scale these patterns to enterprise workloads with Delta Lake, Unity Catalog, and distributed Spark.</a:t>
-            </a:r>
-            <a:endParaRPr lang="en-US" sz="1300" dirty="0"/>
-          </a:p>
-        </p:txBody>
-      </p:sp>
-    </p:spTree>
-  </p:cSld>
-  <p:clrMapOvr>
-    <a:masterClrMapping/>
-  </p:clrMapOvr>
-</p:sld>
-</file>
-
-<file path=ppt/slides/slide18.xml><?xml version="1.0" encoding="utf-8"?>
-<p:sld xmlns:a="http://schemas.openxmlformats.org/drawingml/2006/main" xmlns:r="http://schemas.openxmlformats.org/officeDocument/2006/relationships" xmlns:p="http://schemas.openxmlformats.org/presentationml/2006/main">
   <p:cSld name="Slide 18">
     <p:bg>
       <p:bgPr>
@@ -7031,7 +6521,7 @@
                 <a:ea typeface="Calibri" pitchFamily="34" charset="-122"/>
                 <a:cs typeface="Calibri" pitchFamily="34" charset="-120"/>
               </a:rPr>
-              <a:t>Live Demo</a:t>
+              <a:t>The Challenge</a:t>
             </a:r>
             <a:endParaRPr lang="en-US" sz="2000" dirty="0"/>
           </a:p>
@@ -7136,7 +6626,7 @@
                 <a:ea typeface="Calibri" pitchFamily="34" charset="-122"/>
                 <a:cs typeface="Calibri" pitchFamily="34" charset="-120"/>
               </a:rPr>
-              <a:t>5 min</a:t>
+              <a:t>15 min</a:t>
             </a:r>
             <a:endParaRPr lang="en-US" sz="1100" dirty="0"/>
           </a:p>
@@ -7241,7 +6731,7 @@
                 <a:ea typeface="Calibri" pitchFamily="34" charset="-122"/>
                 <a:cs typeface="Calibri" pitchFamily="34" charset="-120"/>
               </a:rPr>
-              <a:t>Code Review</a:t>
+              <a:t>Live Demo</a:t>
             </a:r>
             <a:endParaRPr lang="en-US" sz="2000" dirty="0"/>
           </a:p>
@@ -7255,8 +6745,8 @@
         </p:nvSpPr>
         <p:spPr>
           <a:xfrm>
-            <a:off x="1097280" y="2697480"/>
-            <a:ext cx="4572000" cy="274320"/>
+            <a:off x="1097280" y="2537460"/>
+            <a:ext cx="4572000" cy="320040"/>
           </a:xfrm>
           <a:prstGeom prst="rect">
             <a:avLst/>
@@ -7268,10 +6758,7 @@
           <a:bodyPr wrap="square" lIns="0" tIns="0" rIns="0" bIns="0" rtlCol="0" anchor="ctr"/>
           <a:lstStyle/>
           <a:p>
-            <a:pPr marL="0" indent="0">
-              <a:buNone/>
-            </a:pPr>
-            <a:r>
+            <a:br>
               <a:rPr lang="en-US" sz="1200" dirty="0">
                 <a:solidFill>
                   <a:srgbClr val="718096"/>
@@ -7280,7 +6767,17 @@
                 <a:ea typeface="Calibri" pitchFamily="34" charset="-122"/>
                 <a:cs typeface="Calibri" pitchFamily="34" charset="-120"/>
               </a:rPr>
-              <a:t>Architecture, modules &amp; design patterns</a:t>
+            </a:br>
+            <a:r>
+              <a:rPr lang="en-US" sz="1200" dirty="0">
+                <a:solidFill>
+                  <a:srgbClr val="718096"/>
+                </a:solidFill>
+                <a:latin typeface="Calibri" pitchFamily="34" charset="0"/>
+                <a:ea typeface="Calibri" pitchFamily="34" charset="-122"/>
+                <a:cs typeface="Calibri" pitchFamily="34" charset="-120"/>
+              </a:rPr>
+              <a:t>Live execution</a:t>
             </a:r>
             <a:endParaRPr lang="en-US" sz="1200" dirty="0"/>
           </a:p>
@@ -7346,7 +6843,7 @@
                 <a:ea typeface="Calibri" pitchFamily="34" charset="-122"/>
                 <a:cs typeface="Calibri" pitchFamily="34" charset="-120"/>
               </a:rPr>
-              <a:t>15 min</a:t>
+              <a:t>5 min</a:t>
             </a:r>
             <a:endParaRPr lang="en-US" sz="1100" dirty="0"/>
           </a:p>
@@ -7786,6 +7283,17 @@
               <a:buNone/>
             </a:pPr>
             <a:r>
+              <a:rPr lang="en-US" sz="1300" dirty="0" err="1">
+                <a:solidFill>
+                  <a:srgbClr val="1A202C"/>
+                </a:solidFill>
+                <a:latin typeface="Calibri" pitchFamily="34" charset="0"/>
+                <a:ea typeface="Calibri" pitchFamily="34" charset="-122"/>
+                <a:cs typeface="Calibri" pitchFamily="34" charset="-120"/>
+              </a:rPr>
+              <a:t>Data_csv</a:t>
+            </a:r>
+            <a:r>
               <a:rPr lang="en-US" sz="1300" dirty="0">
                 <a:solidFill>
                   <a:srgbClr val="1A202C"/>
@@ -7794,7 +7302,7 @@
                 <a:ea typeface="Calibri" pitchFamily="34" charset="-122"/>
                 <a:cs typeface="Calibri" pitchFamily="34" charset="-120"/>
               </a:rPr>
-              <a:t>52,800 fact records</a:t>
+              <a:t> (52,800 trips records)</a:t>
             </a:r>
             <a:endParaRPr lang="en-US" sz="1300" dirty="0"/>
           </a:p>
@@ -7803,6 +7311,17 @@
               <a:buNone/>
             </a:pPr>
             <a:r>
+              <a:rPr lang="en-US" sz="1300" dirty="0" err="1">
+                <a:solidFill>
+                  <a:srgbClr val="1A202C"/>
+                </a:solidFill>
+                <a:latin typeface="Calibri" pitchFamily="34" charset="0"/>
+                <a:ea typeface="Calibri" pitchFamily="34" charset="-122"/>
+                <a:cs typeface="Calibri" pitchFamily="34" charset="-120"/>
+              </a:rPr>
+              <a:t>Metadata_csv</a:t>
+            </a:r>
+            <a:r>
               <a:rPr lang="en-US" sz="1300" dirty="0">
                 <a:solidFill>
                   <a:srgbClr val="1A202C"/>
@@ -7811,7 +7330,7 @@
                 <a:ea typeface="Calibri" pitchFamily="34" charset="-122"/>
                 <a:cs typeface="Calibri" pitchFamily="34" charset="-120"/>
               </a:rPr>
-              <a:t>6 dimension tables</a:t>
+              <a:t> (contains dimensions)</a:t>
             </a:r>
             <a:endParaRPr lang="en-US" sz="1300" dirty="0"/>
           </a:p>
@@ -8579,9 +8098,7 @@
           <a:bodyPr wrap="square" rtlCol="0" anchor="ctr"/>
           <a:lstStyle/>
           <a:p>
-            <a:pPr marL="0" indent="0" algn="ctr">
-              <a:buNone/>
-            </a:pPr>
+            <a:pPr algn="ctr"/>
             <a:r>
               <a:rPr lang="en-US" sz="1200" b="1" dirty="0">
                 <a:solidFill>
@@ -8591,7 +8108,7 @@
                 <a:ea typeface="Calibri" pitchFamily="34" charset="-122"/>
                 <a:cs typeface="Calibri" pitchFamily="34" charset="-120"/>
               </a:rPr>
-              <a:t>TRANSFORM</a:t>
+              <a:t>VALIDATE</a:t>
             </a:r>
             <a:endParaRPr lang="en-US" sz="1200" dirty="0"/>
           </a:p>
@@ -8618,9 +8135,7 @@
           <a:bodyPr wrap="square" rtlCol="0" anchor="ctr"/>
           <a:lstStyle/>
           <a:p>
-            <a:pPr marL="0" indent="0" algn="ctr">
-              <a:buNone/>
-            </a:pPr>
+            <a:pPr algn="ctr"/>
             <a:r>
               <a:rPr lang="en-US" sz="1000" dirty="0">
                 <a:solidFill>
@@ -8630,7 +8145,7 @@
                 <a:ea typeface="Calibri" pitchFamily="34" charset="-122"/>
                 <a:cs typeface="Calibri" pitchFamily="34" charset="-120"/>
               </a:rPr>
-              <a:t>Clean &amp; Enrich</a:t>
+              <a:t>Pandera Schemas</a:t>
             </a:r>
             <a:endParaRPr lang="en-US" sz="1000" dirty="0"/>
           </a:p>
@@ -8735,7 +8250,7 @@
                 <a:ea typeface="Calibri" pitchFamily="34" charset="-122"/>
                 <a:cs typeface="Calibri" pitchFamily="34" charset="-120"/>
               </a:rPr>
-              <a:t>VALIDATE</a:t>
+              <a:t>Transform</a:t>
             </a:r>
             <a:endParaRPr lang="en-US" sz="1200" dirty="0"/>
           </a:p>
@@ -8774,7 +8289,7 @@
                 <a:ea typeface="Calibri" pitchFamily="34" charset="-122"/>
                 <a:cs typeface="Calibri" pitchFamily="34" charset="-120"/>
               </a:rPr>
-              <a:t>Pandera Schemas</a:t>
+              <a:t>Clean &amp; Enrich</a:t>
             </a:r>
             <a:endParaRPr lang="en-US" sz="1000" dirty="0"/>
           </a:p>
@@ -11649,7 +11164,7 @@
                 <a:ea typeface="Calibri" pitchFamily="34" charset="-122"/>
                 <a:cs typeface="Calibri" pitchFamily="34" charset="-120"/>
               </a:rPr>
-              <a:t>Same code runs locally and in production (Docker/ECS)</a:t>
+              <a:t>Same code runs locally and in production (Docker)</a:t>
             </a:r>
             <a:endParaRPr lang="en-US" sz="1200" dirty="0"/>
           </a:p>
